--- a/Documentation/Presentation/Recipes.pptx
+++ b/Documentation/Presentation/Recipes.pptx
@@ -118,7 +118,7 @@
   </p:defaultTextStyle>
   <p:extLst>
     <p:ext uri="{EFAFB233-063F-42B5-8137-9DF3F51BA10A}">
-      <p15:sldGuideLst xmlns="" xmlns:p15="http://schemas.microsoft.com/office/powerpoint/2012/main">
+      <p15:sldGuideLst xmlns:p15="http://schemas.microsoft.com/office/powerpoint/2012/main" xmlns="">
         <p15:guide id="1" orient="horz" pos="2160" userDrawn="1">
           <p15:clr>
             <a:srgbClr val="A4A3A4"/>
@@ -314,7 +314,7 @@
           <a:p>
             <a:fld id="{B4C71EC6-210F-42DE-9C53-41977AD35B3D}" type="datetimeFigureOut">
               <a:rPr lang="ru-RU" smtClean="0"/>
-              <a:t>13.03.2024</a:t>
+              <a:t>15.03.2024</a:t>
             </a:fld>
             <a:endParaRPr lang="ru-RU"/>
           </a:p>
@@ -477,7 +477,7 @@
           <a:p>
             <a:fld id="{B4C71EC6-210F-42DE-9C53-41977AD35B3D}" type="datetimeFigureOut">
               <a:rPr lang="ru-RU" smtClean="0"/>
-              <a:t>13.03.2024</a:t>
+              <a:t>15.03.2024</a:t>
             </a:fld>
             <a:endParaRPr lang="ru-RU"/>
           </a:p>
@@ -650,7 +650,7 @@
           <a:p>
             <a:fld id="{B4C71EC6-210F-42DE-9C53-41977AD35B3D}" type="datetimeFigureOut">
               <a:rPr lang="ru-RU" smtClean="0"/>
-              <a:t>13.03.2024</a:t>
+              <a:t>15.03.2024</a:t>
             </a:fld>
             <a:endParaRPr lang="ru-RU"/>
           </a:p>
@@ -813,7 +813,7 @@
           <a:p>
             <a:fld id="{B4C71EC6-210F-42DE-9C53-41977AD35B3D}" type="datetimeFigureOut">
               <a:rPr lang="ru-RU" smtClean="0"/>
-              <a:t>13.03.2024</a:t>
+              <a:t>15.03.2024</a:t>
             </a:fld>
             <a:endParaRPr lang="ru-RU"/>
           </a:p>
@@ -1053,7 +1053,7 @@
           <a:p>
             <a:fld id="{B4C71EC6-210F-42DE-9C53-41977AD35B3D}" type="datetimeFigureOut">
               <a:rPr lang="ru-RU" smtClean="0"/>
-              <a:t>13.03.2024</a:t>
+              <a:t>15.03.2024</a:t>
             </a:fld>
             <a:endParaRPr lang="ru-RU"/>
           </a:p>
@@ -1333,7 +1333,7 @@
           <a:p>
             <a:fld id="{B4C71EC6-210F-42DE-9C53-41977AD35B3D}" type="datetimeFigureOut">
               <a:rPr lang="ru-RU" smtClean="0"/>
-              <a:t>13.03.2024</a:t>
+              <a:t>15.03.2024</a:t>
             </a:fld>
             <a:endParaRPr lang="ru-RU"/>
           </a:p>
@@ -1747,7 +1747,7 @@
           <a:p>
             <a:fld id="{B4C71EC6-210F-42DE-9C53-41977AD35B3D}" type="datetimeFigureOut">
               <a:rPr lang="ru-RU" smtClean="0"/>
-              <a:t>13.03.2024</a:t>
+              <a:t>15.03.2024</a:t>
             </a:fld>
             <a:endParaRPr lang="ru-RU"/>
           </a:p>
@@ -1859,7 +1859,7 @@
           <a:p>
             <a:fld id="{B4C71EC6-210F-42DE-9C53-41977AD35B3D}" type="datetimeFigureOut">
               <a:rPr lang="ru-RU" smtClean="0"/>
-              <a:t>13.03.2024</a:t>
+              <a:t>15.03.2024</a:t>
             </a:fld>
             <a:endParaRPr lang="ru-RU"/>
           </a:p>
@@ -1949,7 +1949,7 @@
           <a:p>
             <a:fld id="{B4C71EC6-210F-42DE-9C53-41977AD35B3D}" type="datetimeFigureOut">
               <a:rPr lang="ru-RU" smtClean="0"/>
-              <a:t>13.03.2024</a:t>
+              <a:t>15.03.2024</a:t>
             </a:fld>
             <a:endParaRPr lang="ru-RU"/>
           </a:p>
@@ -2219,7 +2219,7 @@
           <a:p>
             <a:fld id="{B4C71EC6-210F-42DE-9C53-41977AD35B3D}" type="datetimeFigureOut">
               <a:rPr lang="ru-RU" smtClean="0"/>
-              <a:t>13.03.2024</a:t>
+              <a:t>15.03.2024</a:t>
             </a:fld>
             <a:endParaRPr lang="ru-RU"/>
           </a:p>
@@ -2466,7 +2466,7 @@
           <a:p>
             <a:fld id="{B4C71EC6-210F-42DE-9C53-41977AD35B3D}" type="datetimeFigureOut">
               <a:rPr lang="ru-RU" smtClean="0"/>
-              <a:t>13.03.2024</a:t>
+              <a:t>15.03.2024</a:t>
             </a:fld>
             <a:endParaRPr lang="ru-RU"/>
           </a:p>
@@ -2672,7 +2672,7 @@
           <a:p>
             <a:fld id="{B4C71EC6-210F-42DE-9C53-41977AD35B3D}" type="datetimeFigureOut">
               <a:rPr lang="ru-RU" smtClean="0"/>
-              <a:t>13.03.2024</a:t>
+              <a:t>15.03.2024</a:t>
             </a:fld>
             <a:endParaRPr lang="ru-RU"/>
           </a:p>
@@ -3939,8 +3939,13 @@
             </a:pPr>
             <a:r>
               <a:rPr lang="ru-RU" dirty="0"/>
-              <a:t>Для многих людей актуальной остаётся проблема недостатка удобного ресурса для поиска и доступа к разнообразным рецептам еды, учитывая различные диетические пожелания людей.</a:t>
-            </a:r>
+              <a:t>Для многих людей актуальной остаётся проблема недостатка удобного ресурса для поиска и доступа к разнообразным рецептам еды, учитывая различные диетические </a:t>
+            </a:r>
+            <a:r>
+              <a:rPr lang="ru-RU" dirty="0" smtClean="0"/>
+              <a:t>пожелания.</a:t>
+            </a:r>
+            <a:endParaRPr lang="ru-RU" dirty="0"/>
           </a:p>
         </p:txBody>
       </p:sp>
@@ -4178,7 +4183,15 @@
             </a:pPr>
             <a:r>
               <a:rPr lang="ru-RU" dirty="0"/>
-              <a:t>Платформа предлагает удобный поиск по названию, категориям и диетам. </a:t>
+              <a:t>Платформа </a:t>
+            </a:r>
+            <a:r>
+              <a:rPr lang="ru-RU" dirty="0" smtClean="0"/>
+              <a:t>предоставляет </a:t>
+            </a:r>
+            <a:r>
+              <a:rPr lang="ru-RU" dirty="0"/>
+              <a:t>удобный поиск по названию, категориям и диетам. </a:t>
             </a:r>
           </a:p>
         </p:txBody>
@@ -4255,7 +4268,7 @@
         <p:spPr/>
         <p:txBody>
           <a:bodyPr>
-            <a:normAutofit/>
+            <a:normAutofit fontScale="92500" lnSpcReduction="10000"/>
           </a:bodyPr>
           <a:lstStyle/>
           <a:p>
@@ -4291,6 +4304,13 @@
               <a:rPr lang="en-US" dirty="0" smtClean="0"/>
               <a:t>Flutter</a:t>
             </a:r>
+            <a:endParaRPr lang="ru-RU" dirty="0" smtClean="0"/>
+          </a:p>
+          <a:p>
+            <a:r>
+              <a:rPr lang="en-US" dirty="0" smtClean="0"/>
+              <a:t>Docker</a:t>
+            </a:r>
             <a:endParaRPr lang="ru-RU" dirty="0"/>
           </a:p>
           <a:p>
@@ -4312,19 +4332,47 @@
             </a:pPr>
             <a:r>
               <a:rPr lang="ru-RU" dirty="0"/>
-              <a:t>Эти </a:t>
-            </a:r>
-            <a:r>
-              <a:rPr lang="ru-RU"/>
-              <a:t>технологии </a:t>
-            </a:r>
-            <a:r>
-              <a:rPr lang="ru-RU" smtClean="0"/>
+              <a:t>Эти технологии </a:t>
+            </a:r>
+            <a:r>
+              <a:rPr lang="ru-RU" dirty="0" smtClean="0"/>
               <a:t>обеспечивают </a:t>
             </a:r>
             <a:r>
               <a:rPr lang="ru-RU" dirty="0"/>
-              <a:t>эффективное сочетание инструментов для быстрой разработки, высокой производительности и долгосрочной поддержки кода.</a:t>
+              <a:t>эффективное </a:t>
+            </a:r>
+            <a:r>
+              <a:rPr lang="ru-RU" dirty="0" smtClean="0"/>
+              <a:t>сочетание</a:t>
+            </a:r>
+            <a:r>
+              <a:rPr lang="en-US" dirty="0" smtClean="0"/>
+              <a:t> </a:t>
+            </a:r>
+            <a:r>
+              <a:rPr lang="ru-RU" dirty="0" smtClean="0"/>
+              <a:t>инструментов </a:t>
+            </a:r>
+            <a:r>
+              <a:rPr lang="ru-RU" dirty="0"/>
+              <a:t>для быстрой разработки, </a:t>
+            </a:r>
+            <a:r>
+              <a:rPr lang="ru-RU" dirty="0" smtClean="0"/>
+              <a:t>высокой</a:t>
+            </a:r>
+            <a:r>
+              <a:rPr lang="en-US" dirty="0" smtClean="0"/>
+              <a:t> </a:t>
+            </a:r>
+            <a:r>
+              <a:rPr lang="ru-RU" dirty="0" smtClean="0"/>
+              <a:t>производительности </a:t>
+            </a:r>
+            <a:r>
+              <a:rPr lang="ru-RU" dirty="0"/>
+              <a:t>и долгосрочной поддержки кода.</a:t>
             </a:r>
           </a:p>
           <a:p>

--- a/Documentation/Presentation/Recipes.pptx
+++ b/Documentation/Presentation/Recipes.pptx
@@ -314,7 +314,7 @@
           <a:p>
             <a:fld id="{B4C71EC6-210F-42DE-9C53-41977AD35B3D}" type="datetimeFigureOut">
               <a:rPr lang="ru-RU" smtClean="0"/>
-              <a:t>15.03.2024</a:t>
+              <a:t>17.03.2024</a:t>
             </a:fld>
             <a:endParaRPr lang="ru-RU"/>
           </a:p>
@@ -477,7 +477,7 @@
           <a:p>
             <a:fld id="{B4C71EC6-210F-42DE-9C53-41977AD35B3D}" type="datetimeFigureOut">
               <a:rPr lang="ru-RU" smtClean="0"/>
-              <a:t>15.03.2024</a:t>
+              <a:t>17.03.2024</a:t>
             </a:fld>
             <a:endParaRPr lang="ru-RU"/>
           </a:p>
@@ -650,7 +650,7 @@
           <a:p>
             <a:fld id="{B4C71EC6-210F-42DE-9C53-41977AD35B3D}" type="datetimeFigureOut">
               <a:rPr lang="ru-RU" smtClean="0"/>
-              <a:t>15.03.2024</a:t>
+              <a:t>17.03.2024</a:t>
             </a:fld>
             <a:endParaRPr lang="ru-RU"/>
           </a:p>
@@ -813,7 +813,7 @@
           <a:p>
             <a:fld id="{B4C71EC6-210F-42DE-9C53-41977AD35B3D}" type="datetimeFigureOut">
               <a:rPr lang="ru-RU" smtClean="0"/>
-              <a:t>15.03.2024</a:t>
+              <a:t>17.03.2024</a:t>
             </a:fld>
             <a:endParaRPr lang="ru-RU"/>
           </a:p>
@@ -1053,7 +1053,7 @@
           <a:p>
             <a:fld id="{B4C71EC6-210F-42DE-9C53-41977AD35B3D}" type="datetimeFigureOut">
               <a:rPr lang="ru-RU" smtClean="0"/>
-              <a:t>15.03.2024</a:t>
+              <a:t>17.03.2024</a:t>
             </a:fld>
             <a:endParaRPr lang="ru-RU"/>
           </a:p>
@@ -1333,7 +1333,7 @@
           <a:p>
             <a:fld id="{B4C71EC6-210F-42DE-9C53-41977AD35B3D}" type="datetimeFigureOut">
               <a:rPr lang="ru-RU" smtClean="0"/>
-              <a:t>15.03.2024</a:t>
+              <a:t>17.03.2024</a:t>
             </a:fld>
             <a:endParaRPr lang="ru-RU"/>
           </a:p>
@@ -1747,7 +1747,7 @@
           <a:p>
             <a:fld id="{B4C71EC6-210F-42DE-9C53-41977AD35B3D}" type="datetimeFigureOut">
               <a:rPr lang="ru-RU" smtClean="0"/>
-              <a:t>15.03.2024</a:t>
+              <a:t>17.03.2024</a:t>
             </a:fld>
             <a:endParaRPr lang="ru-RU"/>
           </a:p>
@@ -1859,7 +1859,7 @@
           <a:p>
             <a:fld id="{B4C71EC6-210F-42DE-9C53-41977AD35B3D}" type="datetimeFigureOut">
               <a:rPr lang="ru-RU" smtClean="0"/>
-              <a:t>15.03.2024</a:t>
+              <a:t>17.03.2024</a:t>
             </a:fld>
             <a:endParaRPr lang="ru-RU"/>
           </a:p>
@@ -1949,7 +1949,7 @@
           <a:p>
             <a:fld id="{B4C71EC6-210F-42DE-9C53-41977AD35B3D}" type="datetimeFigureOut">
               <a:rPr lang="ru-RU" smtClean="0"/>
-              <a:t>15.03.2024</a:t>
+              <a:t>17.03.2024</a:t>
             </a:fld>
             <a:endParaRPr lang="ru-RU"/>
           </a:p>
@@ -2219,7 +2219,7 @@
           <a:p>
             <a:fld id="{B4C71EC6-210F-42DE-9C53-41977AD35B3D}" type="datetimeFigureOut">
               <a:rPr lang="ru-RU" smtClean="0"/>
-              <a:t>15.03.2024</a:t>
+              <a:t>17.03.2024</a:t>
             </a:fld>
             <a:endParaRPr lang="ru-RU"/>
           </a:p>
@@ -2466,7 +2466,7 @@
           <a:p>
             <a:fld id="{B4C71EC6-210F-42DE-9C53-41977AD35B3D}" type="datetimeFigureOut">
               <a:rPr lang="ru-RU" smtClean="0"/>
-              <a:t>15.03.2024</a:t>
+              <a:t>17.03.2024</a:t>
             </a:fld>
             <a:endParaRPr lang="ru-RU"/>
           </a:p>
@@ -2672,7 +2672,7 @@
           <a:p>
             <a:fld id="{B4C71EC6-210F-42DE-9C53-41977AD35B3D}" type="datetimeFigureOut">
               <a:rPr lang="ru-RU" smtClean="0"/>
-              <a:t>15.03.2024</a:t>
+              <a:t>17.03.2024</a:t>
             </a:fld>
             <a:endParaRPr lang="ru-RU"/>
           </a:p>
@@ -4268,7 +4268,7 @@
         <p:spPr/>
         <p:txBody>
           <a:bodyPr>
-            <a:normAutofit fontScale="92500" lnSpcReduction="10000"/>
+            <a:normAutofit fontScale="92500" lnSpcReduction="20000"/>
           </a:bodyPr>
           <a:lstStyle/>
           <a:p>
@@ -4372,7 +4372,15 @@
             </a:r>
             <a:r>
               <a:rPr lang="ru-RU" dirty="0"/>
-              <a:t>и долгосрочной поддержки кода.</a:t>
+              <a:t>и долгосрочной </a:t>
+            </a:r>
+            <a:r>
+              <a:rPr lang="ru-RU" dirty="0" smtClean="0"/>
+              <a:t>поддержки программного </a:t>
+            </a:r>
+            <a:r>
+              <a:rPr lang="ru-RU" dirty="0"/>
+              <a:t>кода.</a:t>
             </a:r>
           </a:p>
           <a:p>
@@ -4739,7 +4747,7 @@
       </p:sp>
       <p:pic>
         <p:nvPicPr>
-          <p:cNvPr id="1026" name="Picture 2"/>
+          <p:cNvPr id="1027" name="Picture 3"/>
           <p:cNvPicPr>
             <a:picLocks noGrp="1" noChangeAspect="1" noChangeArrowheads="1"/>
           </p:cNvPicPr>
@@ -4762,8 +4770,8 @@
         </p:blipFill>
         <p:spPr bwMode="auto">
           <a:xfrm>
-            <a:off x="1127448" y="1412776"/>
-            <a:ext cx="10034963" cy="5244835"/>
+            <a:off x="983432" y="1268760"/>
+            <a:ext cx="10353074" cy="5184689"/>
           </a:xfrm>
           <a:prstGeom prst="rect">
             <a:avLst/>
